--- a/Presentations/Lockpicking.pptx
+++ b/Presentations/Lockpicking.pptx
@@ -9901,208 +9901,225 @@
           </a:bodyPr>
           <a:lstStyle/>
           <a:p>
-            <a:pPr indent="-342900" lvl="0" marL="457200" rtl="0" algn="l">
-              <a:spcBef>
-                <a:spcPts val="0"/>
-              </a:spcBef>
-              <a:spcAft>
-                <a:spcPts val="0"/>
-              </a:spcAft>
-              <a:buSzPts val="1800"/>
+            <a:pPr indent="-304800" lvl="0" marL="457200" rtl="0" algn="l">
+              <a:spcBef>
+                <a:spcPts val="0"/>
+              </a:spcBef>
+              <a:spcAft>
+                <a:spcPts val="0"/>
+              </a:spcAft>
+              <a:buSzPts val="1200"/>
               <a:buChar char="●"/>
             </a:pPr>
             <a:r>
-              <a:rPr lang="en"/>
+              <a:rPr lang="en" sz="1200"/>
               <a:t>Connect to the access point</a:t>
             </a:r>
-            <a:endParaRPr/>
+            <a:endParaRPr sz="1200"/>
           </a:p>
           <a:p>
-            <a:pPr indent="-317500" lvl="1" marL="914400" rtl="0" algn="l">
-              <a:spcBef>
-                <a:spcPts val="0"/>
-              </a:spcBef>
-              <a:spcAft>
-                <a:spcPts val="0"/>
-              </a:spcAft>
-              <a:buSzPts val="1400"/>
+            <a:pPr indent="-304800" lvl="1" marL="914400" rtl="0" algn="l">
+              <a:spcBef>
+                <a:spcPts val="0"/>
+              </a:spcBef>
+              <a:spcAft>
+                <a:spcPts val="0"/>
+              </a:spcAft>
+              <a:buSzPts val="1200"/>
               <a:buChar char="○"/>
             </a:pPr>
             <a:r>
-              <a:rPr lang="en"/>
+              <a:rPr lang="en" sz="1200"/>
               <a:t>CyberRange5G: CYB3RR@ng350</a:t>
             </a:r>
-            <a:endParaRPr/>
+            <a:endParaRPr sz="1200"/>
           </a:p>
           <a:p>
-            <a:pPr indent="-342900" lvl="0" marL="457200" rtl="0" algn="l">
-              <a:spcBef>
-                <a:spcPts val="0"/>
-              </a:spcBef>
-              <a:spcAft>
-                <a:spcPts val="0"/>
-              </a:spcAft>
-              <a:buSzPts val="1800"/>
+            <a:pPr indent="-304800" lvl="0" marL="457200" rtl="0" algn="l">
+              <a:spcBef>
+                <a:spcPts val="0"/>
+              </a:spcBef>
+              <a:spcAft>
+                <a:spcPts val="0"/>
+              </a:spcAft>
+              <a:buSzPts val="1200"/>
               <a:buChar char="●"/>
             </a:pPr>
             <a:r>
-              <a:rPr lang="en"/>
+              <a:rPr lang="en" sz="1200"/>
               <a:t>Target: Metasploitable 2</a:t>
             </a:r>
-            <a:endParaRPr/>
+            <a:endParaRPr sz="1200"/>
           </a:p>
           <a:p>
-            <a:pPr indent="-317500" lvl="1" marL="914400" rtl="0" algn="l">
-              <a:spcBef>
-                <a:spcPts val="0"/>
-              </a:spcBef>
-              <a:spcAft>
-                <a:spcPts val="0"/>
-              </a:spcAft>
-              <a:buSzPts val="1400"/>
+            <a:pPr indent="-304800" lvl="1" marL="914400" rtl="0" algn="l">
+              <a:spcBef>
+                <a:spcPts val="0"/>
+              </a:spcBef>
+              <a:spcAft>
+                <a:spcPts val="0"/>
+              </a:spcAft>
+              <a:buSzPts val="1200"/>
               <a:buChar char="○"/>
             </a:pPr>
             <a:r>
-              <a:rPr lang="en"/>
+              <a:rPr lang="en" sz="1200"/>
               <a:t>Team 1 IP: 10.0.2.40</a:t>
             </a:r>
-            <a:endParaRPr/>
+            <a:endParaRPr sz="1200"/>
           </a:p>
           <a:p>
-            <a:pPr indent="-317500" lvl="1" marL="914400" rtl="0" algn="l">
-              <a:spcBef>
-                <a:spcPts val="0"/>
-              </a:spcBef>
-              <a:spcAft>
-                <a:spcPts val="0"/>
-              </a:spcAft>
-              <a:buSzPts val="1400"/>
+            <a:pPr indent="-304800" lvl="1" marL="914400" rtl="0" algn="l">
+              <a:spcBef>
+                <a:spcPts val="0"/>
+              </a:spcBef>
+              <a:spcAft>
+                <a:spcPts val="0"/>
+              </a:spcAft>
+              <a:buSzPts val="1200"/>
               <a:buChar char="○"/>
             </a:pPr>
             <a:r>
-              <a:rPr lang="en"/>
+              <a:rPr lang="en" sz="1200"/>
               <a:t>Team 2 IP: 10.0.2.41</a:t>
             </a:r>
-            <a:endParaRPr/>
+            <a:endParaRPr sz="1200"/>
           </a:p>
           <a:p>
-            <a:pPr indent="-317500" lvl="1" marL="914400" rtl="0" algn="l">
-              <a:spcBef>
-                <a:spcPts val="0"/>
-              </a:spcBef>
-              <a:spcAft>
-                <a:spcPts val="0"/>
-              </a:spcAft>
-              <a:buSzPts val="1400"/>
+            <a:pPr indent="-304800" lvl="1" marL="914400" rtl="0" algn="l">
+              <a:spcBef>
+                <a:spcPts val="0"/>
+              </a:spcBef>
+              <a:spcAft>
+                <a:spcPts val="0"/>
+              </a:spcAft>
+              <a:buSzPts val="1200"/>
               <a:buChar char="○"/>
             </a:pPr>
             <a:r>
-              <a:rPr lang="en"/>
+              <a:rPr lang="en" sz="1200"/>
               <a:t>Team 3 IP: 10.0.2.42</a:t>
             </a:r>
-            <a:endParaRPr/>
+            <a:endParaRPr sz="1200"/>
           </a:p>
           <a:p>
-            <a:pPr indent="-317500" lvl="1" marL="914400" rtl="0" algn="l">
-              <a:spcBef>
-                <a:spcPts val="0"/>
-              </a:spcBef>
-              <a:spcAft>
-                <a:spcPts val="0"/>
-              </a:spcAft>
-              <a:buSzPts val="1400"/>
+            <a:pPr indent="-304800" lvl="1" marL="914400" rtl="0" algn="l">
+              <a:spcBef>
+                <a:spcPts val="0"/>
+              </a:spcBef>
+              <a:spcAft>
+                <a:spcPts val="0"/>
+              </a:spcAft>
+              <a:buSzPts val="1200"/>
               <a:buChar char="○"/>
             </a:pPr>
             <a:r>
-              <a:rPr lang="en"/>
+              <a:rPr lang="en" sz="1200"/>
               <a:t>Team 4 IP: 10.0.2.43</a:t>
             </a:r>
-            <a:endParaRPr/>
+            <a:endParaRPr sz="1200"/>
           </a:p>
           <a:p>
-            <a:pPr indent="-342900" lvl="0" marL="457200" rtl="0" algn="l">
-              <a:spcBef>
-                <a:spcPts val="0"/>
-              </a:spcBef>
-              <a:spcAft>
-                <a:spcPts val="0"/>
-              </a:spcAft>
-              <a:buSzPts val="1800"/>
+            <a:pPr indent="-304800" lvl="0" marL="457200" rtl="0" algn="l">
+              <a:spcBef>
+                <a:spcPts val="0"/>
+              </a:spcBef>
+              <a:spcAft>
+                <a:spcPts val="0"/>
+              </a:spcAft>
+              <a:buSzPts val="1200"/>
               <a:buChar char="●"/>
             </a:pPr>
             <a:r>
-              <a:rPr lang="en"/>
+              <a:rPr lang="en" sz="1200"/>
               <a:t>What I want (DM the answers to me on the cyber security slack channel with your partner):</a:t>
             </a:r>
-            <a:endParaRPr/>
+            <a:endParaRPr sz="1200"/>
           </a:p>
           <a:p>
-            <a:pPr indent="-317500" lvl="1" marL="914400" rtl="0" algn="l">
-              <a:spcBef>
-                <a:spcPts val="0"/>
-              </a:spcBef>
-              <a:spcAft>
-                <a:spcPts val="0"/>
-              </a:spcAft>
-              <a:buSzPts val="1400"/>
+            <a:pPr indent="-304800" lvl="1" marL="914400" rtl="0" algn="l">
+              <a:spcBef>
+                <a:spcPts val="0"/>
+              </a:spcBef>
+              <a:spcAft>
+                <a:spcPts val="0"/>
+              </a:spcAft>
+              <a:buSzPts val="1200"/>
               <a:buChar char="○"/>
             </a:pPr>
             <a:r>
-              <a:rPr lang="en"/>
+              <a:rPr lang="en" sz="1200"/>
               <a:t>Open Ports </a:t>
             </a:r>
-            <a:endParaRPr/>
+            <a:endParaRPr sz="1200"/>
           </a:p>
           <a:p>
-            <a:pPr indent="-317500" lvl="1" marL="914400" rtl="0" algn="l">
-              <a:spcBef>
-                <a:spcPts val="0"/>
-              </a:spcBef>
-              <a:spcAft>
-                <a:spcPts val="0"/>
-              </a:spcAft>
-              <a:buSzPts val="1400"/>
+            <a:pPr indent="-304800" lvl="1" marL="914400" rtl="0" algn="l">
+              <a:spcBef>
+                <a:spcPts val="0"/>
+              </a:spcBef>
+              <a:spcAft>
+                <a:spcPts val="0"/>
+              </a:spcAft>
+              <a:buSzPts val="1200"/>
               <a:buChar char="○"/>
             </a:pPr>
             <a:r>
-              <a:rPr lang="en"/>
-              <a:t>Vulnerabilitie Scan</a:t>
+              <a:rPr lang="en" sz="1200"/>
+              <a:t>Vulnerability Scan</a:t>
             </a:r>
-            <a:endParaRPr/>
+            <a:endParaRPr sz="1200"/>
           </a:p>
           <a:p>
-            <a:pPr indent="-317500" lvl="1" marL="914400" rtl="0" algn="l">
-              <a:spcBef>
-                <a:spcPts val="0"/>
-              </a:spcBef>
-              <a:spcAft>
-                <a:spcPts val="0"/>
-              </a:spcAft>
-              <a:buSzPts val="1400"/>
+            <a:pPr indent="-304800" lvl="1" marL="914400" rtl="0" algn="l">
+              <a:spcBef>
+                <a:spcPts val="0"/>
+              </a:spcBef>
+              <a:spcAft>
+                <a:spcPts val="0"/>
+              </a:spcAft>
+              <a:buSzPts val="1200"/>
               <a:buChar char="○"/>
             </a:pPr>
             <a:r>
-              <a:rPr lang="en"/>
+              <a:rPr lang="en" sz="1200"/>
               <a:t>Any ways of entry (hint: metasploit is your friend)</a:t>
             </a:r>
-            <a:endParaRPr/>
+            <a:endParaRPr sz="1200"/>
           </a:p>
           <a:p>
-            <a:pPr indent="-317500" lvl="2" marL="1371600" rtl="0" algn="l">
-              <a:spcBef>
-                <a:spcPts val="0"/>
-              </a:spcBef>
-              <a:spcAft>
-                <a:spcPts val="0"/>
-              </a:spcAft>
-              <a:buSzPts val="1400"/>
+            <a:pPr indent="-304800" lvl="2" marL="1371600" rtl="0" algn="l">
+              <a:spcBef>
+                <a:spcPts val="0"/>
+              </a:spcBef>
+              <a:spcAft>
+                <a:spcPts val="0"/>
+              </a:spcAft>
+              <a:buSzPts val="1200"/>
               <a:buChar char="■"/>
             </a:pPr>
             <a:r>
-              <a:rPr lang="en"/>
+              <a:rPr lang="en" sz="1200"/>
               <a:t>With proof of entry</a:t>
             </a:r>
-            <a:endParaRPr/>
+            <a:endParaRPr sz="1200"/>
+          </a:p>
+          <a:p>
+            <a:pPr indent="-304800" lvl="1" marL="914400" rtl="0" algn="l">
+              <a:spcBef>
+                <a:spcPts val="0"/>
+              </a:spcBef>
+              <a:spcAft>
+                <a:spcPts val="0"/>
+              </a:spcAft>
+              <a:buSzPts val="1200"/>
+              <a:buChar char="○"/>
+            </a:pPr>
+            <a:r>
+              <a:rPr lang="en" sz="1200"/>
+              <a:t>Banner Grab</a:t>
+            </a:r>
+            <a:endParaRPr sz="1200"/>
           </a:p>
         </p:txBody>
       </p:sp>
